--- a/Presentations/Session 8/NET - Session 8.pptx
+++ b/Presentations/Session 8/NET - Session 8.pptx
@@ -21414,7 +21414,7 @@
         </p:nvSpPr>
         <p:spPr>
           <a:xfrm>
-            <a:off x="838200" y="1929384"/>
+            <a:off x="842394" y="1929384"/>
             <a:ext cx="10515600" cy="4251960"/>
           </a:xfrm>
         </p:spPr>
